--- a/4-Rapports/revueDeProjetN2.pptx
+++ b/4-Rapports/revueDeProjetN2.pptx
@@ -7046,19 +7046,7 @@
             <a:pPr algn="ctr"/>
             <a:r>
               <a:rPr lang="fr-FR" dirty="0" smtClean="0"/>
-              <a:t>Analyse </a:t>
-            </a:r>
-            <a:r>
-              <a:rPr lang="fr-FR" dirty="0" smtClean="0"/>
-              <a:t>détaillée </a:t>
-            </a:r>
-            <a:r>
-              <a:rPr lang="fr-FR" dirty="0" smtClean="0"/>
-              <a:t>du </a:t>
-            </a:r>
-            <a:r>
-              <a:rPr lang="fr-FR" dirty="0" smtClean="0"/>
-              <a:t>système</a:t>
+              <a:t>Analyse détaillée du système</a:t>
             </a:r>
             <a:br>
               <a:rPr lang="fr-FR" dirty="0" smtClean="0"/>
@@ -7272,8 +7260,8 @@
         </p:blipFill>
         <p:spPr>
           <a:xfrm>
-            <a:off x="4367814" y="609600"/>
-            <a:ext cx="7418035" cy="5873905"/>
+            <a:off x="4039568" y="281355"/>
+            <a:ext cx="7941139" cy="6288120"/>
           </a:xfrm>
         </p:spPr>
       </p:pic>
@@ -7379,73 +7367,61 @@
         </p:nvSpPr>
         <p:spPr>
           <a:xfrm>
-            <a:off x="-1002975" y="2355361"/>
-            <a:ext cx="8596668" cy="2147277"/>
+            <a:off x="286566" y="697858"/>
+            <a:ext cx="5121681" cy="1904665"/>
           </a:xfrm>
         </p:spPr>
         <p:txBody>
           <a:bodyPr>
-            <a:normAutofit fontScale="90000"/>
+            <a:noAutofit/>
           </a:bodyPr>
           <a:lstStyle/>
           <a:p>
             <a:pPr algn="ctr"/>
             <a:r>
-              <a:rPr lang="fr-FR" dirty="0" smtClean="0"/>
-              <a:t>Analyse </a:t>
-            </a:r>
-            <a:r>
-              <a:rPr lang="fr-FR" dirty="0" smtClean="0"/>
-              <a:t>détaillée </a:t>
-            </a:r>
-            <a:r>
-              <a:rPr lang="fr-FR" dirty="0" smtClean="0"/>
-              <a:t>du système </a:t>
-            </a:r>
-            <a:r>
-              <a:rPr lang="fr-FR" dirty="0" smtClean="0"/>
+              <a:rPr lang="fr-FR" sz="2800" dirty="0" smtClean="0"/>
+              <a:t>Analyse détaillée du système </a:t>
+            </a:r>
+            <a:br>
+              <a:rPr lang="fr-FR" sz="2800" dirty="0" smtClean="0"/>
+            </a:br>
+            <a:r>
+              <a:rPr lang="fr-FR" sz="2800" dirty="0"/>
               <a:t/>
             </a:r>
             <a:br>
-              <a:rPr lang="fr-FR" dirty="0" smtClean="0"/>
+              <a:rPr lang="fr-FR" sz="2800" dirty="0"/>
             </a:br>
             <a:r>
-              <a:rPr lang="fr-FR" dirty="0"/>
+              <a:rPr lang="fr-FR" sz="2800" dirty="0"/>
+              <a:t>Visualiser le </a:t>
+            </a:r>
+            <a:r>
+              <a:rPr lang="fr-FR" sz="2800" dirty="0" smtClean="0"/>
+              <a:t>temps</a:t>
+            </a:r>
+            <a:br>
+              <a:rPr lang="fr-FR" sz="2800" dirty="0" smtClean="0"/>
+            </a:br>
+            <a:r>
+              <a:rPr lang="fr-FR" sz="2800" dirty="0" smtClean="0"/>
+              <a:t> </a:t>
+            </a:r>
+            <a:r>
+              <a:rPr lang="fr-FR" sz="2800" dirty="0"/>
+              <a:t>et vitesse sur mobile</a:t>
+            </a:r>
+            <a:br>
+              <a:rPr lang="fr-FR" sz="2800" dirty="0"/>
+            </a:br>
+            <a:r>
+              <a:rPr lang="fr-FR" sz="2800" dirty="0"/>
               <a:t/>
             </a:r>
             <a:br>
-              <a:rPr lang="fr-FR" dirty="0"/>
+              <a:rPr lang="fr-FR" sz="2800" dirty="0"/>
             </a:br>
-            <a:r>
-              <a:rPr lang="fr-FR" dirty="0"/>
-              <a:t>Visualiser le </a:t>
-            </a:r>
-            <a:r>
-              <a:rPr lang="fr-FR" dirty="0" smtClean="0"/>
-              <a:t>temps</a:t>
-            </a:r>
-            <a:br>
-              <a:rPr lang="fr-FR" dirty="0" smtClean="0"/>
-            </a:br>
-            <a:r>
-              <a:rPr lang="fr-FR" dirty="0" smtClean="0"/>
-              <a:t> </a:t>
-            </a:r>
-            <a:r>
-              <a:rPr lang="fr-FR" dirty="0"/>
-              <a:t>et vitesse sur mobile</a:t>
-            </a:r>
-            <a:br>
-              <a:rPr lang="fr-FR" dirty="0"/>
-            </a:br>
-            <a:r>
-              <a:rPr lang="fr-FR" dirty="0"/>
-              <a:t/>
-            </a:r>
-            <a:br>
-              <a:rPr lang="fr-FR" dirty="0"/>
-            </a:br>
-            <a:endParaRPr lang="fr-FR" dirty="0"/>
+            <a:endParaRPr lang="fr-FR" sz="2800" dirty="0"/>
           </a:p>
         </p:txBody>
       </p:sp>
@@ -7480,7 +7456,7 @@
           </p:cNvPicPr>
           <p:nvPr/>
         </p:nvPicPr>
-        <p:blipFill>
+        <p:blipFill rotWithShape="1">
           <a:blip r:embed="rId4">
             <a:extLst>
               <a:ext uri="{28A0092B-C50C-407E-A947-70E740481C1C}">
@@ -7488,14 +7464,42 @@
               </a:ext>
             </a:extLst>
           </a:blip>
-          <a:stretch>
-            <a:fillRect/>
-          </a:stretch>
+          <a:srcRect t="35100"/>
+          <a:stretch/>
         </p:blipFill>
         <p:spPr>
           <a:xfrm>
-            <a:off x="6903433" y="0"/>
-            <a:ext cx="4741138" cy="6858000"/>
+            <a:off x="5767755" y="827078"/>
+            <a:ext cx="6424246" cy="6030922"/>
+          </a:xfrm>
+          <a:prstGeom prst="rect">
+            <a:avLst/>
+          </a:prstGeom>
+        </p:spPr>
+      </p:pic>
+      <p:pic>
+        <p:nvPicPr>
+          <p:cNvPr id="6" name="Image 5"/>
+          <p:cNvPicPr>
+            <a:picLocks noChangeAspect="1"/>
+          </p:cNvPicPr>
+          <p:nvPr/>
+        </p:nvPicPr>
+        <p:blipFill rotWithShape="1">
+          <a:blip r:embed="rId4">
+            <a:extLst>
+              <a:ext uri="{28A0092B-C50C-407E-A947-70E740481C1C}">
+                <a14:useLocalDpi xmlns:a14="http://schemas.microsoft.com/office/drawing/2010/main" val="0"/>
+              </a:ext>
+            </a:extLst>
+          </a:blip>
+          <a:srcRect b="65128"/>
+          <a:stretch/>
+        </p:blipFill>
+        <p:spPr>
+          <a:xfrm>
+            <a:off x="-65703" y="2974355"/>
+            <a:ext cx="5833458" cy="2942492"/>
           </a:xfrm>
           <a:prstGeom prst="rect">
             <a:avLst/>
@@ -7745,62 +7749,43 @@
         </p:nvSpPr>
         <p:spPr>
           <a:xfrm>
-            <a:off x="-1018605" y="2626948"/>
+            <a:off x="1482318" y="195213"/>
             <a:ext cx="8596668" cy="1604104"/>
           </a:xfrm>
         </p:spPr>
         <p:txBody>
           <a:bodyPr>
-            <a:normAutofit fontScale="90000"/>
+            <a:noAutofit/>
           </a:bodyPr>
           <a:lstStyle/>
           <a:p>
             <a:pPr algn="ctr"/>
             <a:r>
-              <a:rPr lang="fr-FR" dirty="0" smtClean="0"/>
-              <a:t>Analyse </a:t>
-            </a:r>
-            <a:r>
-              <a:rPr lang="fr-FR" dirty="0" smtClean="0"/>
-              <a:t>détaillée </a:t>
-            </a:r>
-            <a:r>
-              <a:rPr lang="fr-FR" dirty="0" smtClean="0"/>
-              <a:t>du </a:t>
-            </a:r>
-            <a:r>
-              <a:rPr lang="fr-FR" dirty="0" smtClean="0"/>
-              <a:t>système</a:t>
+              <a:rPr lang="fr-FR" sz="3200" dirty="0" smtClean="0"/>
+              <a:t>Analyse détaillée du système</a:t>
             </a:r>
             <a:br>
-              <a:rPr lang="fr-FR" dirty="0" smtClean="0"/>
+              <a:rPr lang="fr-FR" sz="3200" dirty="0" smtClean="0"/>
             </a:br>
             <a:r>
-              <a:rPr lang="fr-FR" dirty="0" smtClean="0"/>
+              <a:rPr lang="fr-FR" sz="3200" dirty="0" smtClean="0"/>
               <a:t> </a:t>
             </a:r>
             <a:r>
-              <a:rPr lang="fr-FR" dirty="0"/>
+              <a:rPr lang="fr-FR" sz="3200" dirty="0"/>
               <a:t/>
             </a:r>
             <a:br>
-              <a:rPr lang="fr-FR" dirty="0"/>
+              <a:rPr lang="fr-FR" sz="3200" dirty="0"/>
             </a:br>
             <a:r>
-              <a:rPr lang="fr-FR" dirty="0"/>
+              <a:rPr lang="fr-FR" sz="3200" dirty="0"/>
               <a:t>Paramétrer le système </a:t>
             </a:r>
             <a:br>
-              <a:rPr lang="fr-FR" dirty="0"/>
+              <a:rPr lang="fr-FR" sz="3200" dirty="0"/>
             </a:br>
-            <a:r>
-              <a:rPr lang="fr-FR" dirty="0"/>
-              <a:t/>
-            </a:r>
-            <a:br>
-              <a:rPr lang="fr-FR" dirty="0"/>
-            </a:br>
-            <a:endParaRPr lang="fr-FR" dirty="0"/>
+            <a:endParaRPr lang="fr-FR" sz="3200" dirty="0"/>
           </a:p>
         </p:txBody>
       </p:sp>
@@ -7835,7 +7820,7 @@
           </p:cNvPicPr>
           <p:nvPr/>
         </p:nvPicPr>
-        <p:blipFill>
+        <p:blipFill rotWithShape="1">
           <a:blip r:embed="rId4">
             <a:extLst>
               <a:ext uri="{28A0092B-C50C-407E-A947-70E740481C1C}">
@@ -7843,14 +7828,42 @@
               </a:ext>
             </a:extLst>
           </a:blip>
-          <a:stretch>
-            <a:fillRect/>
-          </a:stretch>
+          <a:srcRect t="54473"/>
+          <a:stretch/>
         </p:blipFill>
         <p:spPr>
           <a:xfrm>
-            <a:off x="6500821" y="0"/>
-            <a:ext cx="4661128" cy="6858000"/>
+            <a:off x="5635460" y="1908733"/>
+            <a:ext cx="6551247" cy="4388338"/>
+          </a:xfrm>
+          <a:prstGeom prst="rect">
+            <a:avLst/>
+          </a:prstGeom>
+        </p:spPr>
+      </p:pic>
+      <p:pic>
+        <p:nvPicPr>
+          <p:cNvPr id="6" name="Image 5"/>
+          <p:cNvPicPr>
+            <a:picLocks noChangeAspect="1"/>
+          </p:cNvPicPr>
+          <p:nvPr/>
+        </p:nvPicPr>
+        <p:blipFill rotWithShape="1">
+          <a:blip r:embed="rId4">
+            <a:extLst>
+              <a:ext uri="{28A0092B-C50C-407E-A947-70E740481C1C}">
+                <a14:useLocalDpi xmlns:a14="http://schemas.microsoft.com/office/drawing/2010/main" val="0"/>
+              </a:ext>
+            </a:extLst>
+          </a:blip>
+          <a:srcRect b="45755"/>
+          <a:stretch/>
+        </p:blipFill>
+        <p:spPr>
+          <a:xfrm>
+            <a:off x="-1" y="1908733"/>
+            <a:ext cx="5635461" cy="4497754"/>
           </a:xfrm>
           <a:prstGeom prst="rect">
             <a:avLst/>
@@ -8116,8 +8129,8 @@
         </p:blipFill>
         <p:spPr>
           <a:xfrm>
-            <a:off x="677334" y="2694271"/>
-            <a:ext cx="10058400" cy="1911096"/>
+            <a:off x="-1" y="2295687"/>
+            <a:ext cx="12186263" cy="2315390"/>
           </a:xfrm>
           <a:prstGeom prst="rect">
             <a:avLst/>
@@ -8384,7 +8397,7 @@
       </p:pic>
       <p:pic>
         <p:nvPicPr>
-          <p:cNvPr id="10" name="Image 9"/>
+          <p:cNvPr id="12" name="Image 11"/>
           <p:cNvPicPr>
             <a:picLocks noChangeAspect="1"/>
           </p:cNvPicPr>
@@ -8404,8 +8417,8 @@
         </p:blipFill>
         <p:spPr>
           <a:xfrm>
-            <a:off x="4458069" y="3588457"/>
-            <a:ext cx="452021" cy="452021"/>
+            <a:off x="5182252" y="4374579"/>
+            <a:ext cx="447669" cy="447669"/>
           </a:xfrm>
           <a:prstGeom prst="rect">
             <a:avLst/>
@@ -8414,14 +8427,14 @@
       </p:pic>
       <p:pic>
         <p:nvPicPr>
-          <p:cNvPr id="12" name="Image 11"/>
+          <p:cNvPr id="11" name="Image 10"/>
           <p:cNvPicPr>
             <a:picLocks noChangeAspect="1"/>
           </p:cNvPicPr>
           <p:nvPr/>
         </p:nvPicPr>
         <p:blipFill>
-          <a:blip r:embed="rId5" cstate="print">
+          <a:blip r:embed="rId3" cstate="print">
             <a:extLst>
               <a:ext uri="{28A0092B-C50C-407E-A947-70E740481C1C}">
                 <a14:useLocalDpi xmlns:a14="http://schemas.microsoft.com/office/drawing/2010/main" val="0"/>
@@ -8434,8 +8447,8 @@
         </p:blipFill>
         <p:spPr>
           <a:xfrm>
-            <a:off x="5182252" y="4374579"/>
-            <a:ext cx="447669" cy="447669"/>
+            <a:off x="4422444" y="3605472"/>
+            <a:ext cx="452021" cy="452021"/>
           </a:xfrm>
           <a:prstGeom prst="rect">
             <a:avLst/>
@@ -8683,11 +8696,7 @@
           <a:p>
             <a:r>
               <a:rPr lang="fr-FR" dirty="0" smtClean="0"/>
-              <a:t>Présentation du </a:t>
-            </a:r>
-            <a:r>
-              <a:rPr lang="fr-FR" dirty="0" smtClean="0"/>
-              <a:t>projet</a:t>
+              <a:t>Présentation du projet</a:t>
             </a:r>
           </a:p>
           <a:p>
@@ -8717,7 +8726,6 @@
               <a:rPr lang="fr-FR" dirty="0" smtClean="0"/>
               <a:t>Répartition des taches</a:t>
             </a:r>
-            <a:endParaRPr lang="fr-FR" dirty="0" smtClean="0"/>
           </a:p>
           <a:p>
             <a:endParaRPr lang="fr-FR" dirty="0"/>
@@ -8725,11 +8733,7 @@
           <a:p>
             <a:r>
               <a:rPr lang="fr-FR" dirty="0" smtClean="0"/>
-              <a:t>Analyse du </a:t>
-            </a:r>
-            <a:r>
-              <a:rPr lang="fr-FR" dirty="0" smtClean="0"/>
-              <a:t>système</a:t>
+              <a:t>Analyse du système</a:t>
             </a:r>
           </a:p>
           <a:p>
@@ -9651,7 +9655,6 @@
               <a:rPr lang="fr-FR" dirty="0" smtClean="0"/>
               <a:t>course </a:t>
             </a:r>
-            <a:endParaRPr lang="fr-FR" dirty="0" smtClean="0"/>
           </a:p>
           <a:p>
             <a:pPr lvl="1"/>
@@ -9713,15 +9716,7 @@
             </a:r>
             <a:r>
               <a:rPr lang="fr-FR" dirty="0" smtClean="0"/>
-              <a:t>en </a:t>
-            </a:r>
-            <a:r>
-              <a:rPr lang="fr-FR" dirty="0" smtClean="0"/>
-              <a:t>bas de piste </a:t>
-            </a:r>
-            <a:r>
-              <a:rPr lang="fr-FR" dirty="0" smtClean="0"/>
-              <a:t>)</a:t>
+              <a:t>en bas de piste )</a:t>
             </a:r>
             <a:endParaRPr lang="fr-FR" dirty="0"/>
           </a:p>
@@ -11244,15 +11239,7 @@
             <a:pPr algn="ctr"/>
             <a:r>
               <a:rPr lang="fr-FR" dirty="0" smtClean="0"/>
-              <a:t>Analyse </a:t>
-            </a:r>
-            <a:r>
-              <a:rPr lang="fr-FR" dirty="0" smtClean="0"/>
-              <a:t>détaillée </a:t>
-            </a:r>
-            <a:r>
-              <a:rPr lang="fr-FR" dirty="0" smtClean="0"/>
-              <a:t>du système </a:t>
+              <a:t>Analyse détaillée du système </a:t>
             </a:r>
             <a:endParaRPr lang="fr-FR" dirty="0"/>
           </a:p>
@@ -11286,7 +11273,6 @@
               <a:rPr lang="fr-FR" dirty="0" smtClean="0"/>
               <a:t>les fonctionnalités suivantes :</a:t>
             </a:r>
-            <a:endParaRPr lang="fr-FR" dirty="0" smtClean="0"/>
           </a:p>
           <a:p>
             <a:endParaRPr lang="fr-FR" dirty="0"/>
